--- a/Neighbourhood Battle.pptx
+++ b/Neighbourhood Battle.pptx
@@ -7018,7 +7018,7 @@
           <a:p>
             <a:r>
               <a:rPr lang="en-IN" sz="2800" dirty="0"/>
-              <a:t>London Borough</a:t>
+              <a:t>Recommendation for London Tourist</a:t>
             </a:r>
           </a:p>
         </p:txBody>
@@ -7365,7 +7365,11 @@
           <a:p>
             <a:r>
               <a:rPr lang="en-US" dirty="0"/>
-              <a:t>The intention of this project is to perform a neighborhood analysis on the venues of all the boroughs of London. </a:t>
+              <a:t>The intention of this project is to perform a neighborhood analysis on the venues of all the boroughs of London. So that recommendations can be made to a tourist </a:t>
+            </a:r>
+            <a:r>
+              <a:rPr lang="en-US"/>
+              <a:t>visiting London.</a:t>
             </a:r>
             <a:endParaRPr lang="en-IN" b="1" dirty="0"/>
           </a:p>

--- a/Neighbourhood Battle.pptx
+++ b/Neighbourhood Battle.pptx
@@ -6,16 +6,18 @@
   </p:sldMasterIdLst>
   <p:sldIdLst>
     <p:sldId id="256" r:id="rId2"/>
-    <p:sldId id="257" r:id="rId3"/>
-    <p:sldId id="260" r:id="rId4"/>
-    <p:sldId id="261" r:id="rId5"/>
-    <p:sldId id="262" r:id="rId6"/>
-    <p:sldId id="263" r:id="rId7"/>
-    <p:sldId id="264" r:id="rId8"/>
-    <p:sldId id="265" r:id="rId9"/>
-    <p:sldId id="266" r:id="rId10"/>
-    <p:sldId id="267" r:id="rId11"/>
-    <p:sldId id="259" r:id="rId12"/>
+    <p:sldId id="268" r:id="rId3"/>
+    <p:sldId id="269" r:id="rId4"/>
+    <p:sldId id="257" r:id="rId5"/>
+    <p:sldId id="260" r:id="rId6"/>
+    <p:sldId id="261" r:id="rId7"/>
+    <p:sldId id="262" r:id="rId8"/>
+    <p:sldId id="263" r:id="rId9"/>
+    <p:sldId id="264" r:id="rId10"/>
+    <p:sldId id="265" r:id="rId11"/>
+    <p:sldId id="266" r:id="rId12"/>
+    <p:sldId id="267" r:id="rId13"/>
+    <p:sldId id="259" r:id="rId14"/>
   </p:sldIdLst>
   <p:sldSz cx="12192000" cy="6858000"/>
   <p:notesSz cx="6858000" cy="9144000"/>
@@ -3644,7 +3646,7 @@
           <a:p>
             <a:fld id="{48A87A34-81AB-432B-8DAE-1953F412C126}" type="datetimeFigureOut">
               <a:rPr lang="en-US" dirty="0"/>
-              <a:t>8/17/2019</a:t>
+              <a:t>8/18/2019</a:t>
             </a:fld>
             <a:endParaRPr lang="en-US" dirty="0"/>
           </a:p>
@@ -3850,7 +3852,7 @@
           <a:p>
             <a:fld id="{48A87A34-81AB-432B-8DAE-1953F412C126}" type="datetimeFigureOut">
               <a:rPr lang="en-US" dirty="0"/>
-              <a:t>8/17/2019</a:t>
+              <a:t>8/18/2019</a:t>
             </a:fld>
             <a:endParaRPr lang="en-US" dirty="0"/>
           </a:p>
@@ -4060,7 +4062,7 @@
           <a:p>
             <a:fld id="{48A87A34-81AB-432B-8DAE-1953F412C126}" type="datetimeFigureOut">
               <a:rPr lang="en-US" dirty="0"/>
-              <a:t>8/17/2019</a:t>
+              <a:t>8/18/2019</a:t>
             </a:fld>
             <a:endParaRPr lang="en-US" dirty="0"/>
           </a:p>
@@ -4256,7 +4258,7 @@
           <a:p>
             <a:fld id="{48A87A34-81AB-432B-8DAE-1953F412C126}" type="datetimeFigureOut">
               <a:rPr lang="en-US" dirty="0"/>
-              <a:t>8/17/2019</a:t>
+              <a:t>8/18/2019</a:t>
             </a:fld>
             <a:endParaRPr lang="en-US" dirty="0"/>
           </a:p>
@@ -4530,7 +4532,7 @@
           <a:p>
             <a:fld id="{48A87A34-81AB-432B-8DAE-1953F412C126}" type="datetimeFigureOut">
               <a:rPr lang="en-US" dirty="0"/>
-              <a:t>8/17/2019</a:t>
+              <a:t>8/18/2019</a:t>
             </a:fld>
             <a:endParaRPr lang="en-US" dirty="0"/>
           </a:p>
@@ -4793,7 +4795,7 @@
           <a:p>
             <a:fld id="{48A87A34-81AB-432B-8DAE-1953F412C126}" type="datetimeFigureOut">
               <a:rPr lang="en-US" dirty="0"/>
-              <a:t>8/17/2019</a:t>
+              <a:t>8/18/2019</a:t>
             </a:fld>
             <a:endParaRPr lang="en-US" dirty="0"/>
           </a:p>
@@ -5204,7 +5206,7 @@
           <a:p>
             <a:fld id="{48A87A34-81AB-432B-8DAE-1953F412C126}" type="datetimeFigureOut">
               <a:rPr lang="en-US" dirty="0"/>
-              <a:t>8/17/2019</a:t>
+              <a:t>8/18/2019</a:t>
             </a:fld>
             <a:endParaRPr lang="en-US" dirty="0"/>
           </a:p>
@@ -5348,7 +5350,7 @@
           <a:p>
             <a:fld id="{48A87A34-81AB-432B-8DAE-1953F412C126}" type="datetimeFigureOut">
               <a:rPr lang="en-US" dirty="0"/>
-              <a:t>8/17/2019</a:t>
+              <a:t>8/18/2019</a:t>
             </a:fld>
             <a:endParaRPr lang="en-US" dirty="0"/>
           </a:p>
@@ -5469,7 +5471,7 @@
           <a:p>
             <a:fld id="{48A87A34-81AB-432B-8DAE-1953F412C126}" type="datetimeFigureOut">
               <a:rPr lang="en-US" dirty="0"/>
-              <a:t>8/17/2019</a:t>
+              <a:t>8/18/2019</a:t>
             </a:fld>
             <a:endParaRPr lang="en-US" dirty="0"/>
           </a:p>
@@ -5715,7 +5717,7 @@
           <a:p>
             <a:fld id="{48A87A34-81AB-432B-8DAE-1953F412C126}" type="datetimeFigureOut">
               <a:rPr lang="en-US" dirty="0"/>
-              <a:t>8/17/2019</a:t>
+              <a:t>8/18/2019</a:t>
             </a:fld>
             <a:endParaRPr lang="en-US" dirty="0"/>
           </a:p>
@@ -6156,7 +6158,7 @@
             <a:fld id="{48A87A34-81AB-432B-8DAE-1953F412C126}" type="datetimeFigureOut">
               <a:rPr lang="en-US" dirty="0"/>
               <a:pPr/>
-              <a:t>8/17/2019</a:t>
+              <a:t>8/18/2019</a:t>
             </a:fld>
             <a:endParaRPr lang="en-US" dirty="0"/>
           </a:p>
@@ -6479,7 +6481,7 @@
             <a:fld id="{48A87A34-81AB-432B-8DAE-1953F412C126}" type="datetimeFigureOut">
               <a:rPr lang="en-US" dirty="0"/>
               <a:pPr/>
-              <a:t>8/17/2019</a:t>
+              <a:t>8/18/2019</a:t>
             </a:fld>
             <a:endParaRPr lang="en-US" dirty="0"/>
           </a:p>
@@ -7058,6 +7060,182 @@
           <p:cNvPr id="2" name="Title 1">
             <a:extLst>
               <a:ext uri="{FF2B5EF4-FFF2-40B4-BE49-F238E27FC236}">
+                <a16:creationId xmlns:a16="http://schemas.microsoft.com/office/drawing/2014/main" id="{BEE76345-C687-43FA-B4B7-E380C9C70DDF}"/>
+              </a:ext>
+            </a:extLst>
+          </p:cNvPr>
+          <p:cNvSpPr>
+            <a:spLocks noGrp="1"/>
+          </p:cNvSpPr>
+          <p:nvPr>
+            <p:ph type="title"/>
+          </p:nvPr>
+        </p:nvSpPr>
+        <p:spPr/>
+        <p:txBody>
+          <a:bodyPr/>
+          <a:lstStyle/>
+          <a:p>
+            <a:r>
+              <a:rPr lang="en-IN" dirty="0"/>
+              <a:t>Clustered borough on London map</a:t>
+            </a:r>
+          </a:p>
+        </p:txBody>
+      </p:sp>
+      <p:pic>
+        <p:nvPicPr>
+          <p:cNvPr id="5" name="Content Placeholder 4" descr="A picture containing text, map&#10;&#10;Description automatically generated">
+            <a:extLst>
+              <a:ext uri="{FF2B5EF4-FFF2-40B4-BE49-F238E27FC236}">
+                <a16:creationId xmlns:a16="http://schemas.microsoft.com/office/drawing/2014/main" id="{F91364D0-7D1D-4424-8B12-4AB98DCBA959}"/>
+              </a:ext>
+            </a:extLst>
+          </p:cNvPr>
+          <p:cNvPicPr>
+            <a:picLocks noGrp="1" noChangeAspect="1"/>
+          </p:cNvPicPr>
+          <p:nvPr>
+            <p:ph idx="1"/>
+          </p:nvPr>
+        </p:nvPicPr>
+        <p:blipFill>
+          <a:blip r:embed="rId2"/>
+          <a:stretch>
+            <a:fillRect/>
+          </a:stretch>
+        </p:blipFill>
+        <p:spPr>
+          <a:xfrm>
+            <a:off x="247650" y="2016124"/>
+            <a:ext cx="11620499" cy="4498975"/>
+          </a:xfrm>
+        </p:spPr>
+      </p:pic>
+    </p:spTree>
+    <p:extLst>
+      <p:ext uri="{BB962C8B-B14F-4D97-AF65-F5344CB8AC3E}">
+        <p14:creationId xmlns:p14="http://schemas.microsoft.com/office/powerpoint/2010/main" val="3486728865"/>
+      </p:ext>
+    </p:extLst>
+  </p:cSld>
+  <p:clrMapOvr>
+    <a:masterClrMapping/>
+  </p:clrMapOvr>
+</p:sld>
+</file>
+
+<file path=ppt/slides/slide11.xml><?xml version="1.0" encoding="utf-8"?>
+<p:sld xmlns:a="http://schemas.openxmlformats.org/drawingml/2006/main" xmlns:r="http://schemas.openxmlformats.org/officeDocument/2006/relationships" xmlns:p="http://schemas.openxmlformats.org/presentationml/2006/main">
+  <p:cSld>
+    <p:spTree>
+      <p:nvGrpSpPr>
+        <p:cNvPr id="1" name=""/>
+        <p:cNvGrpSpPr/>
+        <p:nvPr/>
+      </p:nvGrpSpPr>
+      <p:grpSpPr>
+        <a:xfrm>
+          <a:off x="0" y="0"/>
+          <a:ext cx="0" cy="0"/>
+          <a:chOff x="0" y="0"/>
+          <a:chExt cx="0" cy="0"/>
+        </a:xfrm>
+      </p:grpSpPr>
+      <p:sp>
+        <p:nvSpPr>
+          <p:cNvPr id="2" name="Title 1">
+            <a:extLst>
+              <a:ext uri="{FF2B5EF4-FFF2-40B4-BE49-F238E27FC236}">
+                <a16:creationId xmlns:a16="http://schemas.microsoft.com/office/drawing/2014/main" id="{4BCDC1B7-46CE-472C-A5DB-4ADFD61AEE0A}"/>
+              </a:ext>
+            </a:extLst>
+          </p:cNvPr>
+          <p:cNvSpPr>
+            <a:spLocks noGrp="1"/>
+          </p:cNvSpPr>
+          <p:nvPr>
+            <p:ph type="title"/>
+          </p:nvPr>
+        </p:nvSpPr>
+        <p:spPr/>
+        <p:txBody>
+          <a:bodyPr/>
+          <a:lstStyle/>
+          <a:p>
+            <a:r>
+              <a:rPr lang="en-IN" dirty="0"/>
+              <a:t>London borough – Venue count</a:t>
+            </a:r>
+          </a:p>
+        </p:txBody>
+      </p:sp>
+      <p:graphicFrame>
+        <p:nvGraphicFramePr>
+          <p:cNvPr id="8" name="Content Placeholder 7">
+            <a:extLst>
+              <a:ext uri="{FF2B5EF4-FFF2-40B4-BE49-F238E27FC236}">
+                <a16:creationId xmlns:a16="http://schemas.microsoft.com/office/drawing/2014/main" id="{7C019927-3DF6-4474-8333-D1CF38DADD57}"/>
+              </a:ext>
+            </a:extLst>
+          </p:cNvPr>
+          <p:cNvGraphicFramePr>
+            <a:graphicFrameLocks noGrp="1"/>
+          </p:cNvGraphicFramePr>
+          <p:nvPr>
+            <p:ph idx="1"/>
+            <p:extLst>
+              <p:ext uri="{D42A27DB-BD31-4B8C-83A1-F6EECF244321}">
+                <p14:modId xmlns:p14="http://schemas.microsoft.com/office/powerpoint/2010/main" val="1917669432"/>
+              </p:ext>
+            </p:extLst>
+          </p:nvPr>
+        </p:nvGraphicFramePr>
+        <p:xfrm>
+          <a:off x="492369" y="2016125"/>
+          <a:ext cx="10888394" cy="4440946"/>
+        </p:xfrm>
+        <a:graphic>
+          <a:graphicData uri="http://schemas.openxmlformats.org/drawingml/2006/chart">
+            <c:chart xmlns:c="http://schemas.openxmlformats.org/drawingml/2006/chart" xmlns:r="http://schemas.openxmlformats.org/officeDocument/2006/relationships" r:id="rId2"/>
+          </a:graphicData>
+        </a:graphic>
+      </p:graphicFrame>
+    </p:spTree>
+    <p:extLst>
+      <p:ext uri="{BB962C8B-B14F-4D97-AF65-F5344CB8AC3E}">
+        <p14:creationId xmlns:p14="http://schemas.microsoft.com/office/powerpoint/2010/main" val="3724276799"/>
+      </p:ext>
+    </p:extLst>
+  </p:cSld>
+  <p:clrMapOvr>
+    <a:masterClrMapping/>
+  </p:clrMapOvr>
+</p:sld>
+</file>
+
+<file path=ppt/slides/slide12.xml><?xml version="1.0" encoding="utf-8"?>
+<p:sld xmlns:a="http://schemas.openxmlformats.org/drawingml/2006/main" xmlns:r="http://schemas.openxmlformats.org/officeDocument/2006/relationships" xmlns:p="http://schemas.openxmlformats.org/presentationml/2006/main">
+  <p:cSld>
+    <p:spTree>
+      <p:nvGrpSpPr>
+        <p:cNvPr id="1" name=""/>
+        <p:cNvGrpSpPr/>
+        <p:nvPr/>
+      </p:nvGrpSpPr>
+      <p:grpSpPr>
+        <a:xfrm>
+          <a:off x="0" y="0"/>
+          <a:ext cx="0" cy="0"/>
+          <a:chOff x="0" y="0"/>
+          <a:chExt cx="0" cy="0"/>
+        </a:xfrm>
+      </p:grpSpPr>
+      <p:sp>
+        <p:nvSpPr>
+          <p:cNvPr id="2" name="Title 1">
+            <a:extLst>
+              <a:ext uri="{FF2B5EF4-FFF2-40B4-BE49-F238E27FC236}">
                 <a16:creationId xmlns:a16="http://schemas.microsoft.com/office/drawing/2014/main" id="{F5992373-94EF-466A-8253-2B185B6E3A0C}"/>
               </a:ext>
             </a:extLst>
@@ -7194,7 +7372,7 @@
 </p:sld>
 </file>
 
-<file path=ppt/slides/slide11.xml><?xml version="1.0" encoding="utf-8"?>
+<file path=ppt/slides/slide13.xml><?xml version="1.0" encoding="utf-8"?>
 <p:sld xmlns:a="http://schemas.openxmlformats.org/drawingml/2006/main" xmlns:r="http://schemas.openxmlformats.org/officeDocument/2006/relationships" xmlns:p="http://schemas.openxmlformats.org/presentationml/2006/main">
   <p:cSld>
     <p:spTree>
@@ -7319,7 +7497,7 @@
           <p:cNvPr id="2" name="Title 1">
             <a:extLst>
               <a:ext uri="{FF2B5EF4-FFF2-40B4-BE49-F238E27FC236}">
-                <a16:creationId xmlns:a16="http://schemas.microsoft.com/office/drawing/2014/main" id="{399CE8CC-2C44-4A93-8FD9-FCD1AEB5276C}"/>
+                <a16:creationId xmlns:a16="http://schemas.microsoft.com/office/drawing/2014/main" id="{A2B52899-73DF-4392-B0DB-B779CD97A046}"/>
               </a:ext>
             </a:extLst>
           </p:cNvPr>
@@ -7337,7 +7515,7 @@
           <a:p>
             <a:r>
               <a:rPr lang="en-IN" dirty="0"/>
-              <a:t>Objective</a:t>
+              <a:t>The Problem</a:t>
             </a:r>
           </a:p>
         </p:txBody>
@@ -7347,7 +7525,7 @@
           <p:cNvPr id="3" name="Content Placeholder 2">
             <a:extLst>
               <a:ext uri="{FF2B5EF4-FFF2-40B4-BE49-F238E27FC236}">
-                <a16:creationId xmlns:a16="http://schemas.microsoft.com/office/drawing/2014/main" id="{84BECF24-2369-46E0-8920-F48A909C5291}"/>
+                <a16:creationId xmlns:a16="http://schemas.microsoft.com/office/drawing/2014/main" id="{6177058B-54AC-4A74-A961-FA8F45B12419}"/>
               </a:ext>
             </a:extLst>
           </p:cNvPr>
@@ -7363,36 +7541,27 @@
           <a:bodyPr/>
           <a:lstStyle/>
           <a:p>
-            <a:r>
-              <a:rPr lang="en-US" dirty="0"/>
-              <a:t>The intention of this project is to perform a neighborhood analysis on the venues of all the boroughs of London. So that recommendations can be made to a tourist </a:t>
-            </a:r>
-            <a:r>
-              <a:rPr lang="en-US"/>
-              <a:t>visiting London.</a:t>
-            </a:r>
+            <a:pPr marL="0" indent="0">
+              <a:buNone/>
+            </a:pPr>
             <a:endParaRPr lang="en-IN" b="1" dirty="0"/>
           </a:p>
           <a:p>
             <a:r>
-              <a:rPr lang="en-US" dirty="0"/>
-              <a:t>The essence of the analysis would be concentrated on suggesting a tourist which borough or area in London to concentrate on to have most fun in his/her trip.</a:t>
+              <a:rPr lang="en-US" b="1" dirty="0"/>
+              <a:t>As a tourist it is a big task to decide on which all places to visit in a limited amount of time when we are on a trip. It would be of a great help if we know which all places to concentrate so that the time could be efficiently utilized on a trip.</a:t>
             </a:r>
             <a:endParaRPr lang="en-IN" b="1" dirty="0"/>
           </a:p>
           <a:p>
-            <a:r>
-              <a:rPr lang="en-US" dirty="0"/>
-              <a:t>The Venues would be segregated based on the category and the borough with concentrated venues would be highlighted.</a:t>
-            </a:r>
-            <a:endParaRPr lang="en-IN" b="1" dirty="0"/>
+            <a:endParaRPr lang="en-IN" dirty="0"/>
           </a:p>
         </p:txBody>
       </p:sp>
     </p:spTree>
     <p:extLst>
       <p:ext uri="{BB962C8B-B14F-4D97-AF65-F5344CB8AC3E}">
-        <p14:creationId xmlns:p14="http://schemas.microsoft.com/office/powerpoint/2010/main" val="1364868903"/>
+        <p14:creationId xmlns:p14="http://schemas.microsoft.com/office/powerpoint/2010/main" val="2144815508"/>
       </p:ext>
     </p:extLst>
   </p:cSld>
@@ -7424,7 +7593,7 @@
           <p:cNvPr id="2" name="Title 1">
             <a:extLst>
               <a:ext uri="{FF2B5EF4-FFF2-40B4-BE49-F238E27FC236}">
-                <a16:creationId xmlns:a16="http://schemas.microsoft.com/office/drawing/2014/main" id="{AB38CE38-6BCC-4CD5-AB8F-E088CD58D667}"/>
+                <a16:creationId xmlns:a16="http://schemas.microsoft.com/office/drawing/2014/main" id="{A0B566D9-ECA3-4BE7-AA58-F392946D2BBC}"/>
               </a:ext>
             </a:extLst>
           </p:cNvPr>
@@ -7442,7 +7611,7 @@
           <a:p>
             <a:r>
               <a:rPr lang="en-IN" dirty="0"/>
-              <a:t>Central London venues</a:t>
+              <a:t>The background</a:t>
             </a:r>
           </a:p>
         </p:txBody>
@@ -7452,7 +7621,7 @@
           <p:cNvPr id="3" name="Content Placeholder 2">
             <a:extLst>
               <a:ext uri="{FF2B5EF4-FFF2-40B4-BE49-F238E27FC236}">
-                <a16:creationId xmlns:a16="http://schemas.microsoft.com/office/drawing/2014/main" id="{AC90F0A5-2B32-4576-9F89-3260925CA00F}"/>
+                <a16:creationId xmlns:a16="http://schemas.microsoft.com/office/drawing/2014/main" id="{6D92F446-DA6C-4C8A-A5D9-158EF3802333}"/>
               </a:ext>
             </a:extLst>
           </p:cNvPr>
@@ -7463,12 +7632,7 @@
             <p:ph idx="1"/>
           </p:nvPr>
         </p:nvSpPr>
-        <p:spPr>
-          <a:xfrm>
-            <a:off x="1451579" y="2015732"/>
-            <a:ext cx="9603275" cy="3881485"/>
-          </a:xfrm>
-        </p:spPr>
+        <p:spPr/>
         <p:txBody>
           <a:bodyPr>
             <a:normAutofit/>
@@ -7476,77 +7640,40 @@
           <a:lstStyle/>
           <a:p>
             <a:r>
-              <a:rPr lang="en-US" dirty="0" err="1"/>
-              <a:t>FourSquare</a:t>
-            </a:r>
-            <a:r>
               <a:rPr lang="en-US" dirty="0"/>
-              <a:t> API call has been made to get all the relevant venues for the of London city(Central London), 100 venues were obtained for the Central London.</a:t>
-            </a:r>
+              <a:t>The things to be considered are,</a:t>
+            </a:r>
+            <a:endParaRPr lang="en-IN" b="1" dirty="0"/>
           </a:p>
           <a:p>
             <a:r>
               <a:rPr lang="en-US" dirty="0"/>
-              <a:t>Then the Data has been analyzed and the venues has been segregated into five categories of interest to tourist</a:t>
-            </a:r>
-          </a:p>
-          <a:p>
-            <a:pPr marL="800100" lvl="1" indent="-342900">
-              <a:buFont typeface="+mj-lt"/>
-              <a:buAutoNum type="arabicPeriod"/>
-            </a:pPr>
+              <a:t>Number of venues</a:t>
+            </a:r>
+            <a:endParaRPr lang="en-IN" b="1" dirty="0"/>
+          </a:p>
+          <a:p>
+            <a:pPr lvl="1"/>
             <a:r>
               <a:rPr lang="en-US" dirty="0"/>
-              <a:t>Eateries</a:t>
+              <a:t>By knowing the number of venues in a particular area the tourist would be able to decide which places to concentrate and how much time to spend on each venue or in a particular area on the trip</a:t>
             </a:r>
             <a:endParaRPr lang="en-IN" b="1" dirty="0"/>
           </a:p>
           <a:p>
-            <a:pPr marL="800100" lvl="1" indent="-342900">
-              <a:buFont typeface="+mj-lt"/>
-              <a:buAutoNum type="arabicPeriod"/>
-            </a:pPr>
             <a:r>
               <a:rPr lang="en-US" dirty="0"/>
-              <a:t>Historic places</a:t>
+              <a:t>Category of Venues</a:t>
             </a:r>
             <a:endParaRPr lang="en-IN" b="1" dirty="0"/>
           </a:p>
           <a:p>
-            <a:pPr marL="800100" lvl="1" indent="-342900">
-              <a:buFont typeface="+mj-lt"/>
-              <a:buAutoNum type="arabicPeriod"/>
-            </a:pPr>
+            <a:pPr lvl="1"/>
             <a:r>
               <a:rPr lang="en-US" dirty="0"/>
-              <a:t>Recreational spots</a:t>
+              <a:t>The Concentration based on the category of Venues would be helping the tourist to decide which areas to book a stay on or to spend more time in based on personal interest.</a:t>
             </a:r>
             <a:endParaRPr lang="en-IN" b="1" dirty="0"/>
-          </a:p>
-          <a:p>
-            <a:pPr marL="800100" lvl="1" indent="-342900">
-              <a:buFont typeface="+mj-lt"/>
-              <a:buAutoNum type="arabicPeriod"/>
-            </a:pPr>
-            <a:r>
-              <a:rPr lang="en-US" dirty="0"/>
-              <a:t>Shopping venues </a:t>
-            </a:r>
-            <a:endParaRPr lang="en-IN" b="1" dirty="0"/>
-          </a:p>
-          <a:p>
-            <a:pPr marL="800100" lvl="1" indent="-342900">
-              <a:buFont typeface="+mj-lt"/>
-              <a:buAutoNum type="arabicPeriod"/>
-            </a:pPr>
-            <a:r>
-              <a:rPr lang="en-US" dirty="0"/>
-              <a:t>Parks and Gardens</a:t>
-            </a:r>
-            <a:endParaRPr lang="en-US" b="1" dirty="0"/>
-          </a:p>
-          <a:p>
-            <a:endParaRPr lang="en-IN" dirty="0"/>
           </a:p>
           <a:p>
             <a:endParaRPr lang="en-IN" dirty="0"/>
@@ -7556,7 +7683,7 @@
     </p:spTree>
     <p:extLst>
       <p:ext uri="{BB962C8B-B14F-4D97-AF65-F5344CB8AC3E}">
-        <p14:creationId xmlns:p14="http://schemas.microsoft.com/office/powerpoint/2010/main" val="2942969533"/>
+        <p14:creationId xmlns:p14="http://schemas.microsoft.com/office/powerpoint/2010/main" val="4289003132"/>
       </p:ext>
     </p:extLst>
   </p:cSld>
@@ -7588,7 +7715,7 @@
           <p:cNvPr id="2" name="Title 1">
             <a:extLst>
               <a:ext uri="{FF2B5EF4-FFF2-40B4-BE49-F238E27FC236}">
-                <a16:creationId xmlns:a16="http://schemas.microsoft.com/office/drawing/2014/main" id="{CC6083D7-B69B-4257-BB8D-E4065D4C8E48}"/>
+                <a16:creationId xmlns:a16="http://schemas.microsoft.com/office/drawing/2014/main" id="{399CE8CC-2C44-4A93-8FD9-FCD1AEB5276C}"/>
               </a:ext>
             </a:extLst>
           </p:cNvPr>
@@ -7606,46 +7733,62 @@
           <a:p>
             <a:r>
               <a:rPr lang="en-IN" dirty="0"/>
-              <a:t>Central London venues </a:t>
+              <a:t>Objective</a:t>
             </a:r>
           </a:p>
         </p:txBody>
       </p:sp>
-      <p:graphicFrame>
-        <p:nvGraphicFramePr>
-          <p:cNvPr id="8" name="Content Placeholder 7">
+      <p:sp>
+        <p:nvSpPr>
+          <p:cNvPr id="3" name="Content Placeholder 2">
             <a:extLst>
               <a:ext uri="{FF2B5EF4-FFF2-40B4-BE49-F238E27FC236}">
-                <a16:creationId xmlns:a16="http://schemas.microsoft.com/office/drawing/2014/main" id="{C138604D-0D33-4D91-B563-CFE366C71C71}"/>
+                <a16:creationId xmlns:a16="http://schemas.microsoft.com/office/drawing/2014/main" id="{84BECF24-2369-46E0-8920-F48A909C5291}"/>
               </a:ext>
             </a:extLst>
           </p:cNvPr>
-          <p:cNvGraphicFramePr>
-            <a:graphicFrameLocks noGrp="1"/>
-          </p:cNvGraphicFramePr>
+          <p:cNvSpPr>
+            <a:spLocks noGrp="1"/>
+          </p:cNvSpPr>
           <p:nvPr>
             <p:ph idx="1"/>
-            <p:extLst>
-              <p:ext uri="{D42A27DB-BD31-4B8C-83A1-F6EECF244321}">
-                <p14:modId xmlns:p14="http://schemas.microsoft.com/office/powerpoint/2010/main" val="1621897838"/>
-              </p:ext>
-            </p:extLst>
-          </p:nvPr>
-        </p:nvGraphicFramePr>
-        <p:xfrm>
-          <a:off x="1450975" y="2016125"/>
-          <a:ext cx="9604375" cy="3449638"/>
-        </p:xfrm>
-        <a:graphic>
-          <a:graphicData uri="http://schemas.openxmlformats.org/drawingml/2006/chart">
-            <c:chart xmlns:c="http://schemas.openxmlformats.org/drawingml/2006/chart" xmlns:r="http://schemas.openxmlformats.org/officeDocument/2006/relationships" r:id="rId2"/>
-          </a:graphicData>
-        </a:graphic>
-      </p:graphicFrame>
+          </p:nvPr>
+        </p:nvSpPr>
+        <p:spPr/>
+        <p:txBody>
+          <a:bodyPr/>
+          <a:lstStyle/>
+          <a:p>
+            <a:r>
+              <a:rPr lang="en-US" dirty="0"/>
+              <a:t>The intention of this project is to perform a neighborhood analysis on the venues of all the boroughs of London. So that recommendations can be made to a tourist </a:t>
+            </a:r>
+            <a:r>
+              <a:rPr lang="en-US"/>
+              <a:t>visiting London.</a:t>
+            </a:r>
+            <a:endParaRPr lang="en-IN" b="1" dirty="0"/>
+          </a:p>
+          <a:p>
+            <a:r>
+              <a:rPr lang="en-US" dirty="0"/>
+              <a:t>The essence of the analysis would be concentrated on suggesting a tourist which borough or area in London to concentrate on to have most fun in his/her trip.</a:t>
+            </a:r>
+            <a:endParaRPr lang="en-IN" b="1" dirty="0"/>
+          </a:p>
+          <a:p>
+            <a:r>
+              <a:rPr lang="en-US" dirty="0"/>
+              <a:t>The Venues would be segregated based on the category and the borough with concentrated venues would be highlighted.</a:t>
+            </a:r>
+            <a:endParaRPr lang="en-IN" b="1" dirty="0"/>
+          </a:p>
+        </p:txBody>
+      </p:sp>
     </p:spTree>
     <p:extLst>
       <p:ext uri="{BB962C8B-B14F-4D97-AF65-F5344CB8AC3E}">
-        <p14:creationId xmlns:p14="http://schemas.microsoft.com/office/powerpoint/2010/main" val="2781983586"/>
+        <p14:creationId xmlns:p14="http://schemas.microsoft.com/office/powerpoint/2010/main" val="1364868903"/>
       </p:ext>
     </p:extLst>
   </p:cSld>
@@ -7677,7 +7820,7 @@
           <p:cNvPr id="2" name="Title 1">
             <a:extLst>
               <a:ext uri="{FF2B5EF4-FFF2-40B4-BE49-F238E27FC236}">
-                <a16:creationId xmlns:a16="http://schemas.microsoft.com/office/drawing/2014/main" id="{D58D004E-175F-4F3D-8958-F104DD15990F}"/>
+                <a16:creationId xmlns:a16="http://schemas.microsoft.com/office/drawing/2014/main" id="{AB38CE38-6BCC-4CD5-AB8F-E088CD58D667}"/>
               </a:ext>
             </a:extLst>
           </p:cNvPr>
@@ -7695,7 +7838,7 @@
           <a:p>
             <a:r>
               <a:rPr lang="en-IN" dirty="0"/>
-              <a:t>Rest of London venues</a:t>
+              <a:t>Central London venues</a:t>
             </a:r>
           </a:p>
         </p:txBody>
@@ -7705,7 +7848,7 @@
           <p:cNvPr id="3" name="Content Placeholder 2">
             <a:extLst>
               <a:ext uri="{FF2B5EF4-FFF2-40B4-BE49-F238E27FC236}">
-                <a16:creationId xmlns:a16="http://schemas.microsoft.com/office/drawing/2014/main" id="{C0762CAF-14D8-4005-BD12-B4AEB07C52B0}"/>
+                <a16:creationId xmlns:a16="http://schemas.microsoft.com/office/drawing/2014/main" id="{AC90F0A5-2B32-4576-9F89-3260925CA00F}"/>
               </a:ext>
             </a:extLst>
           </p:cNvPr>
@@ -7716,20 +7859,31 @@
             <p:ph idx="1"/>
           </p:nvPr>
         </p:nvSpPr>
-        <p:spPr/>
+        <p:spPr>
+          <a:xfrm>
+            <a:off x="1451579" y="2015732"/>
+            <a:ext cx="9603275" cy="3881485"/>
+          </a:xfrm>
+        </p:spPr>
         <p:txBody>
-          <a:bodyPr/>
+          <a:bodyPr>
+            <a:normAutofit/>
+          </a:bodyPr>
           <a:lstStyle/>
           <a:p>
             <a:r>
-              <a:rPr lang="en-IN" dirty="0"/>
-              <a:t>The venues from rest of London also were obtained from the foursquare API call,  982 venues were returned from the API call.</a:t>
-            </a:r>
-          </a:p>
-          <a:p>
-            <a:r>
-              <a:rPr lang="en-IN" dirty="0"/>
-              <a:t>These venues were also divided into 5 groups which would be of interest to the tourist.</a:t>
+              <a:rPr lang="en-US" dirty="0" err="1"/>
+              <a:t>FourSquare</a:t>
+            </a:r>
+            <a:r>
+              <a:rPr lang="en-US" dirty="0"/>
+              <a:t> API call has been made to get all the relevant venues for the of London city(Central London), 100 venues were obtained for the Central London.</a:t>
+            </a:r>
+          </a:p>
+          <a:p>
+            <a:r>
+              <a:rPr lang="en-US" dirty="0"/>
+              <a:t>Then the Data has been analyzed and the venues has been segregated into five categories of interest to tourist</a:t>
             </a:r>
           </a:p>
           <a:p>
@@ -7788,9 +7942,9 @@
             <a:endParaRPr lang="en-US" b="1" dirty="0"/>
           </a:p>
           <a:p>
-            <a:pPr marL="457200" lvl="1" indent="0">
-              <a:buNone/>
-            </a:pPr>
+            <a:endParaRPr lang="en-IN" dirty="0"/>
+          </a:p>
+          <a:p>
             <a:endParaRPr lang="en-IN" dirty="0"/>
           </a:p>
         </p:txBody>
@@ -7798,7 +7952,7 @@
     </p:spTree>
     <p:extLst>
       <p:ext uri="{BB962C8B-B14F-4D97-AF65-F5344CB8AC3E}">
-        <p14:creationId xmlns:p14="http://schemas.microsoft.com/office/powerpoint/2010/main" val="3741274030"/>
+        <p14:creationId xmlns:p14="http://schemas.microsoft.com/office/powerpoint/2010/main" val="2942969533"/>
       </p:ext>
     </p:extLst>
   </p:cSld>
@@ -7830,7 +7984,7 @@
           <p:cNvPr id="2" name="Title 1">
             <a:extLst>
               <a:ext uri="{FF2B5EF4-FFF2-40B4-BE49-F238E27FC236}">
-                <a16:creationId xmlns:a16="http://schemas.microsoft.com/office/drawing/2014/main" id="{1FF00A27-D47E-4C75-823C-944C379F4DBA}"/>
+                <a16:creationId xmlns:a16="http://schemas.microsoft.com/office/drawing/2014/main" id="{CC6083D7-B69B-4257-BB8D-E4065D4C8E48}"/>
               </a:ext>
             </a:extLst>
           </p:cNvPr>
@@ -7848,17 +8002,17 @@
           <a:p>
             <a:r>
               <a:rPr lang="en-IN" dirty="0"/>
-              <a:t>Rest Of London venues</a:t>
+              <a:t>Central London venues </a:t>
             </a:r>
           </a:p>
         </p:txBody>
       </p:sp>
       <p:graphicFrame>
         <p:nvGraphicFramePr>
-          <p:cNvPr id="6" name="Content Placeholder 5">
+          <p:cNvPr id="8" name="Content Placeholder 7">
             <a:extLst>
               <a:ext uri="{FF2B5EF4-FFF2-40B4-BE49-F238E27FC236}">
-                <a16:creationId xmlns:a16="http://schemas.microsoft.com/office/drawing/2014/main" id="{D3B72C85-3699-482A-8A7C-BA7DA2A51E96}"/>
+                <a16:creationId xmlns:a16="http://schemas.microsoft.com/office/drawing/2014/main" id="{C138604D-0D33-4D91-B563-CFE366C71C71}"/>
               </a:ext>
             </a:extLst>
           </p:cNvPr>
@@ -7869,7 +8023,7 @@
             <p:ph idx="1"/>
             <p:extLst>
               <p:ext uri="{D42A27DB-BD31-4B8C-83A1-F6EECF244321}">
-                <p14:modId xmlns:p14="http://schemas.microsoft.com/office/powerpoint/2010/main" val="1492052169"/>
+                <p14:modId xmlns:p14="http://schemas.microsoft.com/office/powerpoint/2010/main" val="1621897838"/>
               </p:ext>
             </p:extLst>
           </p:nvPr>
@@ -7887,7 +8041,7 @@
     </p:spTree>
     <p:extLst>
       <p:ext uri="{BB962C8B-B14F-4D97-AF65-F5344CB8AC3E}">
-        <p14:creationId xmlns:p14="http://schemas.microsoft.com/office/powerpoint/2010/main" val="3838588606"/>
+        <p14:creationId xmlns:p14="http://schemas.microsoft.com/office/powerpoint/2010/main" val="2781983586"/>
       </p:ext>
     </p:extLst>
   </p:cSld>
@@ -7919,7 +8073,7 @@
           <p:cNvPr id="2" name="Title 1">
             <a:extLst>
               <a:ext uri="{FF2B5EF4-FFF2-40B4-BE49-F238E27FC236}">
-                <a16:creationId xmlns:a16="http://schemas.microsoft.com/office/drawing/2014/main" id="{21FDFAEE-CB1B-4220-B073-15BF60457626}"/>
+                <a16:creationId xmlns:a16="http://schemas.microsoft.com/office/drawing/2014/main" id="{D58D004E-175F-4F3D-8958-F104DD15990F}"/>
               </a:ext>
             </a:extLst>
           </p:cNvPr>
@@ -7937,7 +8091,7 @@
           <a:p>
             <a:r>
               <a:rPr lang="en-IN" dirty="0"/>
-              <a:t>Clustering London Neighbourhood</a:t>
+              <a:t>Rest of London venues</a:t>
             </a:r>
           </a:p>
         </p:txBody>
@@ -7947,7 +8101,7 @@
           <p:cNvPr id="3" name="Content Placeholder 2">
             <a:extLst>
               <a:ext uri="{FF2B5EF4-FFF2-40B4-BE49-F238E27FC236}">
-                <a16:creationId xmlns:a16="http://schemas.microsoft.com/office/drawing/2014/main" id="{1B22FE8E-BCD5-4156-BBC3-145370AD7BC4}"/>
+                <a16:creationId xmlns:a16="http://schemas.microsoft.com/office/drawing/2014/main" id="{C0762CAF-14D8-4005-BD12-B4AEB07C52B0}"/>
               </a:ext>
             </a:extLst>
           </p:cNvPr>
@@ -7964,32 +8118,75 @@
           <a:lstStyle/>
           <a:p>
             <a:r>
+              <a:rPr lang="en-IN" dirty="0"/>
+              <a:t>The venues from rest of London also were obtained from the foursquare API call,  982 venues were returned from the API call.</a:t>
+            </a:r>
+          </a:p>
+          <a:p>
+            <a:r>
+              <a:rPr lang="en-IN" dirty="0"/>
+              <a:t>These venues were also divided into 5 groups which would be of interest to the tourist.</a:t>
+            </a:r>
+          </a:p>
+          <a:p>
+            <a:pPr marL="800100" lvl="1" indent="-342900">
+              <a:buFont typeface="+mj-lt"/>
+              <a:buAutoNum type="arabicPeriod"/>
+            </a:pPr>
+            <a:r>
               <a:rPr lang="en-US" dirty="0"/>
-              <a:t>The London boroughs were clustered with the K means clustering algorithm into 5 clusters.</a:t>
-            </a:r>
-          </a:p>
-          <a:p>
+              <a:t>Eateries</a:t>
+            </a:r>
+            <a:endParaRPr lang="en-IN" b="1" dirty="0"/>
+          </a:p>
+          <a:p>
+            <a:pPr marL="800100" lvl="1" indent="-342900">
+              <a:buFont typeface="+mj-lt"/>
+              <a:buAutoNum type="arabicPeriod"/>
+            </a:pPr>
             <a:r>
               <a:rPr lang="en-US" dirty="0"/>
-              <a:t>10 most common venues in each neighborhood has be obtained and listed. Cluster label obtained from the K means algorithm was clubbed with this file with the 10 most common venue details for each borough.</a:t>
+              <a:t>Historic places</a:t>
             </a:r>
             <a:endParaRPr lang="en-IN" b="1" dirty="0"/>
           </a:p>
           <a:p>
+            <a:pPr marL="800100" lvl="1" indent="-342900">
+              <a:buFont typeface="+mj-lt"/>
+              <a:buAutoNum type="arabicPeriod"/>
+            </a:pPr>
             <a:r>
               <a:rPr lang="en-US" dirty="0"/>
-              <a:t>Along with its latitude and longitude details.</a:t>
+              <a:t>Recreational spots</a:t>
             </a:r>
             <a:endParaRPr lang="en-IN" b="1" dirty="0"/>
           </a:p>
           <a:p>
+            <a:pPr marL="800100" lvl="1" indent="-342900">
+              <a:buFont typeface="+mj-lt"/>
+              <a:buAutoNum type="arabicPeriod"/>
+            </a:pPr>
             <a:r>
               <a:rPr lang="en-US" dirty="0"/>
-              <a:t>Then the venues in the clustered were plotted on a map of London as shown in the image below</a:t>
+              <a:t>Shopping venues </a:t>
             </a:r>
             <a:endParaRPr lang="en-IN" b="1" dirty="0"/>
           </a:p>
           <a:p>
+            <a:pPr marL="800100" lvl="1" indent="-342900">
+              <a:buFont typeface="+mj-lt"/>
+              <a:buAutoNum type="arabicPeriod"/>
+            </a:pPr>
+            <a:r>
+              <a:rPr lang="en-US" dirty="0"/>
+              <a:t>Parks and Gardens</a:t>
+            </a:r>
+            <a:endParaRPr lang="en-US" b="1" dirty="0"/>
+          </a:p>
+          <a:p>
+            <a:pPr marL="457200" lvl="1" indent="0">
+              <a:buNone/>
+            </a:pPr>
             <a:endParaRPr lang="en-IN" dirty="0"/>
           </a:p>
         </p:txBody>
@@ -7997,7 +8194,7 @@
     </p:spTree>
     <p:extLst>
       <p:ext uri="{BB962C8B-B14F-4D97-AF65-F5344CB8AC3E}">
-        <p14:creationId xmlns:p14="http://schemas.microsoft.com/office/powerpoint/2010/main" val="387286387"/>
+        <p14:creationId xmlns:p14="http://schemas.microsoft.com/office/powerpoint/2010/main" val="3741274030"/>
       </p:ext>
     </p:extLst>
   </p:cSld>
@@ -8029,7 +8226,7 @@
           <p:cNvPr id="2" name="Title 1">
             <a:extLst>
               <a:ext uri="{FF2B5EF4-FFF2-40B4-BE49-F238E27FC236}">
-                <a16:creationId xmlns:a16="http://schemas.microsoft.com/office/drawing/2014/main" id="{BEE76345-C687-43FA-B4B7-E380C9C70DDF}"/>
+                <a16:creationId xmlns:a16="http://schemas.microsoft.com/office/drawing/2014/main" id="{1FF00A27-D47E-4C75-823C-944C379F4DBA}"/>
               </a:ext>
             </a:extLst>
           </p:cNvPr>
@@ -8047,44 +8244,46 @@
           <a:p>
             <a:r>
               <a:rPr lang="en-IN" dirty="0"/>
-              <a:t>Clustered borough on London map</a:t>
+              <a:t>Rest Of London venues</a:t>
             </a:r>
           </a:p>
         </p:txBody>
       </p:sp>
-      <p:pic>
-        <p:nvPicPr>
-          <p:cNvPr id="5" name="Content Placeholder 4" descr="A picture containing text, map&#10;&#10;Description automatically generated">
+      <p:graphicFrame>
+        <p:nvGraphicFramePr>
+          <p:cNvPr id="6" name="Content Placeholder 5">
             <a:extLst>
               <a:ext uri="{FF2B5EF4-FFF2-40B4-BE49-F238E27FC236}">
-                <a16:creationId xmlns:a16="http://schemas.microsoft.com/office/drawing/2014/main" id="{F91364D0-7D1D-4424-8B12-4AB98DCBA959}"/>
+                <a16:creationId xmlns:a16="http://schemas.microsoft.com/office/drawing/2014/main" id="{D3B72C85-3699-482A-8A7C-BA7DA2A51E96}"/>
               </a:ext>
             </a:extLst>
           </p:cNvPr>
-          <p:cNvPicPr>
-            <a:picLocks noGrp="1" noChangeAspect="1"/>
-          </p:cNvPicPr>
+          <p:cNvGraphicFramePr>
+            <a:graphicFrameLocks noGrp="1"/>
+          </p:cNvGraphicFramePr>
           <p:nvPr>
             <p:ph idx="1"/>
-          </p:nvPr>
-        </p:nvPicPr>
-        <p:blipFill>
-          <a:blip r:embed="rId2"/>
-          <a:stretch>
-            <a:fillRect/>
-          </a:stretch>
-        </p:blipFill>
-        <p:spPr>
-          <a:xfrm>
-            <a:off x="247650" y="2016124"/>
-            <a:ext cx="11620499" cy="4498975"/>
-          </a:xfrm>
-        </p:spPr>
-      </p:pic>
+            <p:extLst>
+              <p:ext uri="{D42A27DB-BD31-4B8C-83A1-F6EECF244321}">
+                <p14:modId xmlns:p14="http://schemas.microsoft.com/office/powerpoint/2010/main" val="1492052169"/>
+              </p:ext>
+            </p:extLst>
+          </p:nvPr>
+        </p:nvGraphicFramePr>
+        <p:xfrm>
+          <a:off x="1450975" y="2016125"/>
+          <a:ext cx="9604375" cy="3449638"/>
+        </p:xfrm>
+        <a:graphic>
+          <a:graphicData uri="http://schemas.openxmlformats.org/drawingml/2006/chart">
+            <c:chart xmlns:c="http://schemas.openxmlformats.org/drawingml/2006/chart" xmlns:r="http://schemas.openxmlformats.org/officeDocument/2006/relationships" r:id="rId2"/>
+          </a:graphicData>
+        </a:graphic>
+      </p:graphicFrame>
     </p:spTree>
     <p:extLst>
       <p:ext uri="{BB962C8B-B14F-4D97-AF65-F5344CB8AC3E}">
-        <p14:creationId xmlns:p14="http://schemas.microsoft.com/office/powerpoint/2010/main" val="3486728865"/>
+        <p14:creationId xmlns:p14="http://schemas.microsoft.com/office/powerpoint/2010/main" val="3838588606"/>
       </p:ext>
     </p:extLst>
   </p:cSld>
@@ -8116,7 +8315,7 @@
           <p:cNvPr id="2" name="Title 1">
             <a:extLst>
               <a:ext uri="{FF2B5EF4-FFF2-40B4-BE49-F238E27FC236}">
-                <a16:creationId xmlns:a16="http://schemas.microsoft.com/office/drawing/2014/main" id="{4BCDC1B7-46CE-472C-A5DB-4ADFD61AEE0A}"/>
+                <a16:creationId xmlns:a16="http://schemas.microsoft.com/office/drawing/2014/main" id="{21FDFAEE-CB1B-4220-B073-15BF60457626}"/>
               </a:ext>
             </a:extLst>
           </p:cNvPr>
@@ -8134,46 +8333,67 @@
           <a:p>
             <a:r>
               <a:rPr lang="en-IN" dirty="0"/>
-              <a:t>London borough – Venue count</a:t>
+              <a:t>Clustering London Neighbourhood</a:t>
             </a:r>
           </a:p>
         </p:txBody>
       </p:sp>
-      <p:graphicFrame>
-        <p:nvGraphicFramePr>
-          <p:cNvPr id="8" name="Content Placeholder 7">
+      <p:sp>
+        <p:nvSpPr>
+          <p:cNvPr id="3" name="Content Placeholder 2">
             <a:extLst>
               <a:ext uri="{FF2B5EF4-FFF2-40B4-BE49-F238E27FC236}">
-                <a16:creationId xmlns:a16="http://schemas.microsoft.com/office/drawing/2014/main" id="{7C019927-3DF6-4474-8333-D1CF38DADD57}"/>
+                <a16:creationId xmlns:a16="http://schemas.microsoft.com/office/drawing/2014/main" id="{1B22FE8E-BCD5-4156-BBC3-145370AD7BC4}"/>
               </a:ext>
             </a:extLst>
           </p:cNvPr>
-          <p:cNvGraphicFramePr>
-            <a:graphicFrameLocks noGrp="1"/>
-          </p:cNvGraphicFramePr>
+          <p:cNvSpPr>
+            <a:spLocks noGrp="1"/>
+          </p:cNvSpPr>
           <p:nvPr>
             <p:ph idx="1"/>
-            <p:extLst>
-              <p:ext uri="{D42A27DB-BD31-4B8C-83A1-F6EECF244321}">
-                <p14:modId xmlns:p14="http://schemas.microsoft.com/office/powerpoint/2010/main" val="1917669432"/>
-              </p:ext>
-            </p:extLst>
-          </p:nvPr>
-        </p:nvGraphicFramePr>
-        <p:xfrm>
-          <a:off x="492369" y="2016125"/>
-          <a:ext cx="10888394" cy="4440946"/>
-        </p:xfrm>
-        <a:graphic>
-          <a:graphicData uri="http://schemas.openxmlformats.org/drawingml/2006/chart">
-            <c:chart xmlns:c="http://schemas.openxmlformats.org/drawingml/2006/chart" xmlns:r="http://schemas.openxmlformats.org/officeDocument/2006/relationships" r:id="rId2"/>
-          </a:graphicData>
-        </a:graphic>
-      </p:graphicFrame>
+          </p:nvPr>
+        </p:nvSpPr>
+        <p:spPr/>
+        <p:txBody>
+          <a:bodyPr/>
+          <a:lstStyle/>
+          <a:p>
+            <a:r>
+              <a:rPr lang="en-US" dirty="0"/>
+              <a:t>The London boroughs were clustered with the K means clustering algorithm into 5 clusters.</a:t>
+            </a:r>
+          </a:p>
+          <a:p>
+            <a:r>
+              <a:rPr lang="en-US" dirty="0"/>
+              <a:t>10 most common venues in each neighborhood has be obtained and listed. Cluster label obtained from the K means algorithm was clubbed with this file with the 10 most common venue details for each borough.</a:t>
+            </a:r>
+            <a:endParaRPr lang="en-IN" b="1" dirty="0"/>
+          </a:p>
+          <a:p>
+            <a:r>
+              <a:rPr lang="en-US" dirty="0"/>
+              <a:t>Along with its latitude and longitude details.</a:t>
+            </a:r>
+            <a:endParaRPr lang="en-IN" b="1" dirty="0"/>
+          </a:p>
+          <a:p>
+            <a:r>
+              <a:rPr lang="en-US" dirty="0"/>
+              <a:t>Then the venues in the clustered were plotted on a map of London as shown in the image below</a:t>
+            </a:r>
+            <a:endParaRPr lang="en-IN" b="1" dirty="0"/>
+          </a:p>
+          <a:p>
+            <a:endParaRPr lang="en-IN" dirty="0"/>
+          </a:p>
+        </p:txBody>
+      </p:sp>
     </p:spTree>
     <p:extLst>
       <p:ext uri="{BB962C8B-B14F-4D97-AF65-F5344CB8AC3E}">
-        <p14:creationId xmlns:p14="http://schemas.microsoft.com/office/powerpoint/2010/main" val="3724276799"/>
+        <p14:creationId xmlns:p14="http://schemas.microsoft.com/office/powerpoint/2010/main" val="387286387"/>
       </p:ext>
     </p:extLst>
   </p:cSld>
